--- a/docs/Project 1 - EELE465.pptx
+++ b/docs/Project 1 - EELE465.pptx
@@ -10,7 +10,8 @@
     <p:sldId id="257" r:id="rId7"/>
     <p:sldId id="258" r:id="rId8"/>
     <p:sldId id="259" r:id="rId9"/>
-    <p:sldId id="261" r:id="rId10"/>
+    <p:sldId id="262" r:id="rId10"/>
+    <p:sldId id="261" r:id="rId11"/>
   </p:sldIdLst>
   <p:sldSz cx="12192000" cy="6858000"/>
   <p:notesSz cx="6858000" cy="9144000"/>
@@ -110,14 +111,6 @@
     </a:lvl9pPr>
   </p:defaultTextStyle>
 </p:presentation>
-</file>
-
-<file path=ppt/revisionInfo.xml><?xml version="1.0" encoding="utf-8"?>
-<p1510:revInfo xmlns:a="http://schemas.openxmlformats.org/drawingml/2006/main" xmlns:r="http://schemas.openxmlformats.org/officeDocument/2006/relationships" xmlns:p1510="http://schemas.microsoft.com/office/powerpoint/2015/10/main">
-  <p1510:revLst>
-    <p1510:client id="{A708B33F-52CC-419F-A2D3-952C43D56050}" v="13" dt="2025-01-21T18:10:35.848"/>
-  </p1510:revLst>
-</p1510:revInfo>
 </file>
 
 <file path=ppt/slideLayouts/slideLayout1.xml><?xml version="1.0" encoding="utf-8"?>
@@ -4423,6 +4416,143 @@
 </file>
 
 <file path=ppt/slides/slide6.xml><?xml version="1.0" encoding="utf-8"?>
+<p:sld xmlns:a="http://schemas.openxmlformats.org/drawingml/2006/main" xmlns:r="http://schemas.openxmlformats.org/officeDocument/2006/relationships" xmlns:p="http://schemas.openxmlformats.org/presentationml/2006/main">
+  <p:cSld>
+    <p:spTree>
+      <p:nvGrpSpPr>
+        <p:cNvPr id="1" name=""/>
+        <p:cNvGrpSpPr/>
+        <p:nvPr/>
+      </p:nvGrpSpPr>
+      <p:grpSpPr>
+        <a:xfrm>
+          <a:off x="0" y="0"/>
+          <a:ext cx="0" cy="0"/>
+          <a:chOff x="0" y="0"/>
+          <a:chExt cx="0" cy="0"/>
+        </a:xfrm>
+      </p:grpSpPr>
+      <p:pic>
+        <p:nvPicPr>
+          <p:cNvPr id="4" name="Content Placeholder 4" descr="A diagram of a program&#10;&#10;Description automatically generated">
+            <a:extLst>
+              <a:ext uri="{FF2B5EF4-FFF2-40B4-BE49-F238E27FC236}">
+                <a16:creationId xmlns:a16="http://schemas.microsoft.com/office/drawing/2014/main" id="{297729F0-88FD-A7F6-92E0-438AA9B8EC6B}"/>
+              </a:ext>
+            </a:extLst>
+          </p:cNvPr>
+          <p:cNvPicPr>
+            <a:picLocks noGrp="1" noChangeAspect="1"/>
+          </p:cNvPicPr>
+          <p:nvPr>
+            <p:ph idx="1"/>
+          </p:nvPr>
+        </p:nvPicPr>
+        <p:blipFill>
+          <a:blip r:embed="rId2">
+            <a:extLst>
+              <a:ext uri="{28A0092B-C50C-407E-A947-70E740481C1C}">
+                <a14:useLocalDpi xmlns:a14="http://schemas.microsoft.com/office/drawing/2010/main" val="0"/>
+              </a:ext>
+            </a:extLst>
+          </a:blip>
+          <a:stretch>
+            <a:fillRect/>
+          </a:stretch>
+        </p:blipFill>
+        <p:spPr>
+          <a:xfrm>
+            <a:off x="6876726" y="365125"/>
+            <a:ext cx="4797113" cy="5932524"/>
+          </a:xfrm>
+        </p:spPr>
+      </p:pic>
+      <p:pic>
+        <p:nvPicPr>
+          <p:cNvPr id="5" name="Content Placeholder 4" descr="A diagram of a process flow&#10;&#10;Description automatically generated">
+            <a:extLst>
+              <a:ext uri="{FF2B5EF4-FFF2-40B4-BE49-F238E27FC236}">
+                <a16:creationId xmlns:a16="http://schemas.microsoft.com/office/drawing/2014/main" id="{782671EE-1965-216D-26C2-5142D78611FD}"/>
+              </a:ext>
+            </a:extLst>
+          </p:cNvPr>
+          <p:cNvPicPr>
+            <a:picLocks noChangeAspect="1"/>
+          </p:cNvPicPr>
+          <p:nvPr/>
+        </p:nvPicPr>
+        <p:blipFill>
+          <a:blip r:embed="rId3">
+            <a:extLst>
+              <a:ext uri="{28A0092B-C50C-407E-A947-70E740481C1C}">
+                <a14:useLocalDpi xmlns:a14="http://schemas.microsoft.com/office/drawing/2010/main" val="0"/>
+              </a:ext>
+            </a:extLst>
+          </a:blip>
+          <a:stretch>
+            <a:fillRect/>
+          </a:stretch>
+        </p:blipFill>
+        <p:spPr>
+          <a:xfrm>
+            <a:off x="235274" y="1594332"/>
+            <a:ext cx="3300405" cy="3474110"/>
+          </a:xfrm>
+          <a:prstGeom prst="rect">
+            <a:avLst/>
+          </a:prstGeom>
+        </p:spPr>
+      </p:pic>
+      <p:pic>
+        <p:nvPicPr>
+          <p:cNvPr id="6" name="Content Placeholder 4" descr="A diagram of a program&#10;&#10;Description automatically generated">
+            <a:extLst>
+              <a:ext uri="{FF2B5EF4-FFF2-40B4-BE49-F238E27FC236}">
+                <a16:creationId xmlns:a16="http://schemas.microsoft.com/office/drawing/2014/main" id="{B277D9B0-2CC4-A1B4-CD97-73D83C031209}"/>
+              </a:ext>
+            </a:extLst>
+          </p:cNvPr>
+          <p:cNvPicPr>
+            <a:picLocks noChangeAspect="1"/>
+          </p:cNvPicPr>
+          <p:nvPr/>
+        </p:nvPicPr>
+        <p:blipFill>
+          <a:blip r:embed="rId4">
+            <a:extLst>
+              <a:ext uri="{28A0092B-C50C-407E-A947-70E740481C1C}">
+                <a14:useLocalDpi xmlns:a14="http://schemas.microsoft.com/office/drawing/2010/main" val="0"/>
+              </a:ext>
+            </a:extLst>
+          </a:blip>
+          <a:stretch>
+            <a:fillRect/>
+          </a:stretch>
+        </p:blipFill>
+        <p:spPr>
+          <a:xfrm>
+            <a:off x="3666510" y="1889125"/>
+            <a:ext cx="3079385" cy="3557551"/>
+          </a:xfrm>
+          <a:prstGeom prst="rect">
+            <a:avLst/>
+          </a:prstGeom>
+        </p:spPr>
+      </p:pic>
+    </p:spTree>
+    <p:extLst>
+      <p:ext uri="{BB962C8B-B14F-4D97-AF65-F5344CB8AC3E}">
+        <p14:creationId xmlns:p14="http://schemas.microsoft.com/office/powerpoint/2010/main" val="2055194407"/>
+      </p:ext>
+    </p:extLst>
+  </p:cSld>
+  <p:clrMapOvr>
+    <a:masterClrMapping/>
+  </p:clrMapOvr>
+</p:sld>
+</file>
+
+<file path=ppt/slides/slide7.xml><?xml version="1.0" encoding="utf-8"?>
 <p:sld xmlns:a="http://schemas.openxmlformats.org/drawingml/2006/main" xmlns:r="http://schemas.openxmlformats.org/officeDocument/2006/relationships" xmlns:p="http://schemas.openxmlformats.org/presentationml/2006/main">
   <p:cSld>
     <p:spTree>
